--- a/Project 4 Presentation.pptx
+++ b/Project 4 Presentation.pptx
@@ -17,30 +17,31 @@
     <p:sldId id="262" r:id="rId12"/>
     <p:sldId id="263" r:id="rId13"/>
     <p:sldId id="264" r:id="rId14"/>
+    <p:sldId id="265" r:id="rId15"/>
   </p:sldIdLst>
   <p:sldSz cy="5143500" cx="9144000"/>
   <p:notesSz cx="6858000" cy="9144000"/>
   <p:embeddedFontLst>
     <p:embeddedFont>
       <p:font typeface="Economica"/>
-      <p:regular r:id="rId15"/>
-      <p:bold r:id="rId16"/>
-      <p:italic r:id="rId17"/>
-      <p:boldItalic r:id="rId18"/>
+      <p:regular r:id="rId16"/>
+      <p:bold r:id="rId17"/>
+      <p:italic r:id="rId18"/>
+      <p:boldItalic r:id="rId19"/>
     </p:embeddedFont>
     <p:embeddedFont>
       <p:font typeface="Playfair Display"/>
-      <p:regular r:id="rId19"/>
-      <p:bold r:id="rId20"/>
-      <p:italic r:id="rId21"/>
-      <p:boldItalic r:id="rId22"/>
+      <p:regular r:id="rId20"/>
+      <p:bold r:id="rId21"/>
+      <p:italic r:id="rId22"/>
+      <p:boldItalic r:id="rId23"/>
     </p:embeddedFont>
     <p:embeddedFont>
       <p:font typeface="Open Sans"/>
-      <p:regular r:id="rId23"/>
-      <p:bold r:id="rId24"/>
-      <p:italic r:id="rId25"/>
-      <p:boldItalic r:id="rId26"/>
+      <p:regular r:id="rId24"/>
+      <p:bold r:id="rId25"/>
+      <p:italic r:id="rId26"/>
+      <p:boldItalic r:id="rId27"/>
     </p:embeddedFont>
   </p:embeddedFontLst>
   <p:defaultTextStyle>
@@ -816,6 +817,226 @@
 </p:notes>
 </file>
 
+<file path=ppt/notesSlides/notesSlide10.xml><?xml version="1.0" encoding="utf-8"?>
+<p:notes xmlns:a="http://schemas.openxmlformats.org/drawingml/2006/main" xmlns:r="http://schemas.openxmlformats.org/officeDocument/2006/relationships" xmlns:mc="http://schemas.openxmlformats.org/markup-compatibility/2006" xmlns:mv="urn:schemas-microsoft-com:mac:vml" xmlns:p="http://schemas.openxmlformats.org/presentationml/2006/main" xmlns:c="http://schemas.openxmlformats.org/drawingml/2006/chart" xmlns:dgm="http://schemas.openxmlformats.org/drawingml/2006/diagram" xmlns:o="urn:schemas-microsoft-com:office:office" xmlns:v="urn:schemas-microsoft-com:vml" xmlns:pvml="urn:schemas-microsoft-com:office:powerpoint" xmlns:com="http://schemas.openxmlformats.org/drawingml/2006/compatibility" xmlns:p14="http://schemas.microsoft.com/office/powerpoint/2010/main" xmlns:p15="http://schemas.microsoft.com/office/powerpoint/2012/main" xmlns:ahyp="http://schemas.microsoft.com/office/drawing/2018/hyperlinkcolor" showMasterPhAnim="0" showMasterSp="0">
+  <p:cSld>
+    <p:spTree>
+      <p:nvGrpSpPr>
+        <p:cNvPr id="117" name="Shape 117"/>
+        <p:cNvGrpSpPr/>
+        <p:nvPr/>
+      </p:nvGrpSpPr>
+      <p:grpSpPr>
+        <a:xfrm>
+          <a:off x="0" y="0"/>
+          <a:ext cx="0" cy="0"/>
+          <a:chOff x="0" y="0"/>
+          <a:chExt cx="0" cy="0"/>
+        </a:xfrm>
+      </p:grpSpPr>
+      <p:sp>
+        <p:nvSpPr>
+          <p:cNvPr id="118" name="Google Shape;118;g2fa9eab4127_0_0:notes"/>
+          <p:cNvSpPr/>
+          <p:nvPr>
+            <p:ph idx="2" type="sldImg"/>
+          </p:nvPr>
+        </p:nvSpPr>
+        <p:spPr>
+          <a:xfrm>
+            <a:off x="381300" y="685800"/>
+            <a:ext cx="6096000" cy="3429000"/>
+          </a:xfrm>
+          <a:custGeom>
+            <a:rect b="b" l="l" r="r" t="t"/>
+            <a:pathLst>
+              <a:path extrusionOk="0" h="120000" w="120000">
+                <a:moveTo>
+                  <a:pt x="0" y="0"/>
+                </a:moveTo>
+                <a:lnTo>
+                  <a:pt x="120000" y="0"/>
+                </a:lnTo>
+                <a:lnTo>
+                  <a:pt x="120000" y="120000"/>
+                </a:lnTo>
+                <a:lnTo>
+                  <a:pt x="0" y="120000"/>
+                </a:lnTo>
+                <a:close/>
+              </a:path>
+            </a:pathLst>
+          </a:custGeom>
+        </p:spPr>
+      </p:sp>
+      <p:sp>
+        <p:nvSpPr>
+          <p:cNvPr id="119" name="Google Shape;119;g2fa9eab4127_0_0:notes"/>
+          <p:cNvSpPr txBox="1"/>
+          <p:nvPr>
+            <p:ph idx="1" type="body"/>
+          </p:nvPr>
+        </p:nvSpPr>
+        <p:spPr>
+          <a:xfrm>
+            <a:off x="685800" y="4343400"/>
+            <a:ext cx="5486400" cy="4114800"/>
+          </a:xfrm>
+          <a:prstGeom prst="rect">
+            <a:avLst/>
+          </a:prstGeom>
+        </p:spPr>
+        <p:txBody>
+          <a:bodyPr anchorCtr="0" anchor="t" bIns="91425" lIns="91425" spcFirstLastPara="1" rIns="91425" wrap="square" tIns="91425">
+            <a:noAutofit/>
+          </a:bodyPr>
+          <a:lstStyle/>
+          <a:p>
+            <a:pPr indent="-298450" lvl="0" marL="457200" rtl="0" algn="l">
+              <a:lnSpc>
+                <a:spcPct val="150000"/>
+              </a:lnSpc>
+              <a:spcBef>
+                <a:spcPts val="0"/>
+              </a:spcBef>
+              <a:spcAft>
+                <a:spcPts val="0"/>
+              </a:spcAft>
+              <a:buSzPts val="1100"/>
+              <a:buChar char="●"/>
+            </a:pPr>
+            <a:r>
+              <a:rPr b="1" lang="en"/>
+              <a:t>Disease detection: </a:t>
+            </a:r>
+            <a:r>
+              <a:rPr lang="en"/>
+              <a:t>Expand the model to detect early signs of neurodegenerative diseases like Parkinson’s and Alzheimer's through handwriting patterns. By analyzing features such as tremors, slowness, or irregularity in handwriting, the model could assist in early diagnosis.</a:t>
+            </a:r>
+            <a:endParaRPr/>
+          </a:p>
+          <a:p>
+            <a:pPr indent="-298450" lvl="0" marL="457200" rtl="0" algn="l">
+              <a:lnSpc>
+                <a:spcPct val="150000"/>
+              </a:lnSpc>
+              <a:spcBef>
+                <a:spcPts val="0"/>
+              </a:spcBef>
+              <a:spcAft>
+                <a:spcPts val="0"/>
+              </a:spcAft>
+              <a:buSzPts val="1100"/>
+              <a:buChar char="●"/>
+            </a:pPr>
+            <a:r>
+              <a:rPr b="1" lang="en"/>
+              <a:t>Age-inclusive handwriting analysis</a:t>
+            </a:r>
+            <a:r>
+              <a:rPr lang="en"/>
+              <a:t>: </a:t>
+            </a:r>
+            <a:r>
+              <a:rPr lang="en"/>
+              <a:t>Enhance the classifier to recognize handwriting patterns across a broader age spectrum, from children to seniors. This could involve retraining the model with diverse age-specific datasets to improve accuracy for different developmental and cognitive stages.</a:t>
+            </a:r>
+            <a:endParaRPr/>
+          </a:p>
+          <a:p>
+            <a:pPr indent="-298450" lvl="0" marL="457200" rtl="0" algn="l">
+              <a:lnSpc>
+                <a:spcPct val="150000"/>
+              </a:lnSpc>
+              <a:spcBef>
+                <a:spcPts val="0"/>
+              </a:spcBef>
+              <a:spcAft>
+                <a:spcPts val="0"/>
+              </a:spcAft>
+              <a:buSzPts val="1100"/>
+              <a:buChar char="●"/>
+            </a:pPr>
+            <a:r>
+              <a:rPr b="1" lang="en"/>
+              <a:t>Multilingual sentiment analysis:</a:t>
+            </a:r>
+            <a:r>
+              <a:rPr lang="en"/>
+              <a:t> </a:t>
+            </a:r>
+            <a:r>
+              <a:rPr lang="en"/>
+              <a:t>Extend the model to support multiple languages. Handwriting styles can vary significantly between languages, so developing algorithms that recognize handwriting in various scripts and associate it with sentiment could make the model more globally applicable.</a:t>
+            </a:r>
+            <a:endParaRPr/>
+          </a:p>
+          <a:p>
+            <a:pPr indent="-298450" lvl="0" marL="457200" rtl="0" algn="l">
+              <a:lnSpc>
+                <a:spcPct val="150000"/>
+              </a:lnSpc>
+              <a:spcBef>
+                <a:spcPts val="0"/>
+              </a:spcBef>
+              <a:spcAft>
+                <a:spcPts val="0"/>
+              </a:spcAft>
+              <a:buSzPts val="1100"/>
+              <a:buChar char="●"/>
+            </a:pPr>
+            <a:r>
+              <a:rPr b="1" lang="en"/>
+              <a:t>Handwriting style adaptation:</a:t>
+            </a:r>
+            <a:r>
+              <a:rPr lang="en"/>
+              <a:t> </a:t>
+            </a:r>
+            <a:r>
+              <a:rPr lang="en"/>
+              <a:t>Incorporate learning techniques that adapt to different individual handwriting styles, improving the classifier’s robustness to variations in letter shapes, size, or slant. This could be achieved through style transfer methods or personalized handwriting models.</a:t>
+            </a:r>
+            <a:endParaRPr/>
+          </a:p>
+          <a:p>
+            <a:pPr indent="-298450" lvl="0" marL="457200" rtl="0" algn="l">
+              <a:lnSpc>
+                <a:spcPct val="150000"/>
+              </a:lnSpc>
+              <a:spcBef>
+                <a:spcPts val="0"/>
+              </a:spcBef>
+              <a:spcAft>
+                <a:spcPts val="0"/>
+              </a:spcAft>
+              <a:buSzPts val="1100"/>
+              <a:buChar char="●"/>
+            </a:pPr>
+            <a:r>
+              <a:rPr b="1" lang="en"/>
+              <a:t>Handwriting rehabilitation monitoring:</a:t>
+            </a:r>
+            <a:r>
+              <a:rPr lang="en"/>
+              <a:t> </a:t>
+            </a:r>
+            <a:r>
+              <a:rPr lang="en"/>
+              <a:t>Create a module to track the progress of individuals undergoing rehabilitation for motor control issues. The system could analyze improvements in handwriting to monitor recovery from conditions like stroke or hand injuries.</a:t>
+            </a:r>
+            <a:endParaRPr/>
+          </a:p>
+        </p:txBody>
+      </p:sp>
+    </p:spTree>
+  </p:cSld>
+  <p:clrMapOvr>
+    <a:masterClrMapping/>
+  </p:clrMapOvr>
+</p:notes>
+</file>
+
 <file path=ppt/notesSlides/notesSlide2.xml><?xml version="1.0" encoding="utf-8"?>
 <p:notes xmlns:a="http://schemas.openxmlformats.org/drawingml/2006/main" xmlns:r="http://schemas.openxmlformats.org/officeDocument/2006/relationships" xmlns:mc="http://schemas.openxmlformats.org/markup-compatibility/2006" xmlns:mv="urn:schemas-microsoft-com:mac:vml" xmlns:p="http://schemas.openxmlformats.org/presentationml/2006/main" xmlns:c="http://schemas.openxmlformats.org/drawingml/2006/chart" xmlns:dgm="http://schemas.openxmlformats.org/drawingml/2006/diagram" xmlns:o="urn:schemas-microsoft-com:office:office" xmlns:v="urn:schemas-microsoft-com:vml" xmlns:pvml="urn:schemas-microsoft-com:office:powerpoint" xmlns:com="http://schemas.openxmlformats.org/drawingml/2006/compatibility" xmlns:p14="http://schemas.microsoft.com/office/powerpoint/2010/main" xmlns:p15="http://schemas.microsoft.com/office/powerpoint/2012/main" xmlns:ahyp="http://schemas.microsoft.com/office/drawing/2018/hyperlinkcolor" showMasterPhAnim="0" showMasterSp="0">
   <p:cSld>
@@ -1339,7 +1560,7 @@
   <p:cSld>
     <p:spTree>
       <p:nvGrpSpPr>
-        <p:cNvPr id="89" name="Shape 89"/>
+        <p:cNvPr id="90" name="Shape 90"/>
         <p:cNvGrpSpPr/>
         <p:nvPr/>
       </p:nvGrpSpPr>
@@ -1353,7 +1574,7 @@
       </p:grpSpPr>
       <p:sp>
         <p:nvSpPr>
-          <p:cNvPr id="90" name="Google Shape;90;g30c383fa4f0_1_16:notes"/>
+          <p:cNvPr id="91" name="Google Shape;91;g30c383fa4f0_1_23:notes"/>
           <p:cNvSpPr/>
           <p:nvPr>
             <p:ph idx="2" type="sldImg"/>
@@ -1388,7 +1609,7 @@
       </p:sp>
       <p:sp>
         <p:nvSpPr>
-          <p:cNvPr id="91" name="Google Shape;91;g30c383fa4f0_1_16:notes"/>
+          <p:cNvPr id="92" name="Google Shape;92;g30c383fa4f0_1_23:notes"/>
           <p:cNvSpPr txBox="1"/>
           <p:nvPr>
             <p:ph idx="1" type="body"/>
@@ -1438,7 +1659,7 @@
   <p:cSld>
     <p:spTree>
       <p:nvGrpSpPr>
-        <p:cNvPr id="95" name="Shape 95"/>
+        <p:cNvPr id="97" name="Shape 97"/>
         <p:cNvGrpSpPr/>
         <p:nvPr/>
       </p:nvGrpSpPr>
@@ -1452,7 +1673,7 @@
       </p:grpSpPr>
       <p:sp>
         <p:nvSpPr>
-          <p:cNvPr id="96" name="Google Shape;96;g30a5dabf7ec_0_70:notes"/>
+          <p:cNvPr id="98" name="Google Shape;98;g30c383fa4f0_1_16:notes"/>
           <p:cNvSpPr/>
           <p:nvPr>
             <p:ph idx="2" type="sldImg"/>
@@ -1487,7 +1708,7 @@
       </p:sp>
       <p:sp>
         <p:nvSpPr>
-          <p:cNvPr id="97" name="Google Shape;97;g30a5dabf7ec_0_70:notes"/>
+          <p:cNvPr id="99" name="Google Shape;99;g30c383fa4f0_1_16:notes"/>
           <p:cNvSpPr txBox="1"/>
           <p:nvPr>
             <p:ph idx="1" type="body"/>
@@ -1518,327 +1739,7 @@
               <a:buNone/>
             </a:pPr>
             <a:r>
-              <a:rPr lang="en"/>
-              <a:t>Feature and Target Select</a:t>
-            </a:r>
-            <a:endParaRPr/>
-          </a:p>
-          <a:p>
-            <a:pPr indent="-298450" lvl="0" marL="457200" rtl="0" algn="l">
-              <a:spcBef>
-                <a:spcPts val="0"/>
-              </a:spcBef>
-              <a:spcAft>
-                <a:spcPts val="0"/>
-              </a:spcAft>
-              <a:buSzPts val="1100"/>
-              <a:buChar char="●"/>
-            </a:pPr>
-            <a:r>
-              <a:rPr lang="en"/>
-              <a:t>Dropped </a:t>
-            </a:r>
-            <a:r>
-              <a:rPr lang="en"/>
-              <a:t>unnecessary</a:t>
-            </a:r>
-            <a:r>
-              <a:rPr lang="en"/>
-              <a:t> columns “Label Emotion_y” and “Student Id” to define features (X)</a:t>
-            </a:r>
-            <a:endParaRPr/>
-          </a:p>
-          <a:p>
-            <a:pPr indent="-298450" lvl="0" marL="457200" rtl="0" algn="l">
-              <a:spcBef>
-                <a:spcPts val="0"/>
-              </a:spcBef>
-              <a:spcAft>
-                <a:spcPts val="0"/>
-              </a:spcAft>
-              <a:buSzPts val="1100"/>
-              <a:buChar char="●"/>
-            </a:pPr>
-            <a:r>
-              <a:rPr lang="en"/>
-              <a:t>Set “Label Emotion_y” as the target (y) </a:t>
-            </a:r>
-            <a:endParaRPr/>
-          </a:p>
-          <a:p>
-            <a:pPr indent="-298450" lvl="0" marL="457200" rtl="0" algn="l">
-              <a:spcBef>
-                <a:spcPts val="0"/>
-              </a:spcBef>
-              <a:spcAft>
-                <a:spcPts val="0"/>
-              </a:spcAft>
-              <a:buSzPts val="1100"/>
-              <a:buChar char="●"/>
-            </a:pPr>
-            <a:r>
-              <a:rPr lang="en"/>
-              <a:t>Dataset shape: 120 rows, 18 features </a:t>
-            </a:r>
-            <a:endParaRPr/>
-          </a:p>
-          <a:p>
-            <a:pPr indent="0" lvl="0" marL="0" rtl="0" algn="l">
-              <a:spcBef>
-                <a:spcPts val="0"/>
-              </a:spcBef>
-              <a:spcAft>
-                <a:spcPts val="0"/>
-              </a:spcAft>
-              <a:buNone/>
-            </a:pPr>
-            <a:r>
               <a:t/>
-            </a:r>
-            <a:endParaRPr/>
-          </a:p>
-          <a:p>
-            <a:pPr indent="0" lvl="0" marL="0" rtl="0" algn="l">
-              <a:spcBef>
-                <a:spcPts val="0"/>
-              </a:spcBef>
-              <a:spcAft>
-                <a:spcPts val="0"/>
-              </a:spcAft>
-              <a:buNone/>
-            </a:pPr>
-            <a:r>
-              <a:rPr lang="en"/>
-              <a:t>Data Splitting </a:t>
-            </a:r>
-            <a:endParaRPr/>
-          </a:p>
-          <a:p>
-            <a:pPr indent="-298450" lvl="0" marL="457200" rtl="0" algn="l">
-              <a:spcBef>
-                <a:spcPts val="0"/>
-              </a:spcBef>
-              <a:spcAft>
-                <a:spcPts val="0"/>
-              </a:spcAft>
-              <a:buSzPts val="1100"/>
-              <a:buChar char="●"/>
-            </a:pPr>
-            <a:r>
-              <a:rPr lang="en"/>
-              <a:t>Data was split into training (90%) and testing (10%) sets using train_test_split()</a:t>
-            </a:r>
-            <a:endParaRPr/>
-          </a:p>
-          <a:p>
-            <a:pPr indent="0" lvl="0" marL="0" rtl="0" algn="l">
-              <a:spcBef>
-                <a:spcPts val="0"/>
-              </a:spcBef>
-              <a:spcAft>
-                <a:spcPts val="0"/>
-              </a:spcAft>
-              <a:buNone/>
-            </a:pPr>
-            <a:r>
-              <a:t/>
-            </a:r>
-            <a:endParaRPr/>
-          </a:p>
-          <a:p>
-            <a:pPr indent="0" lvl="0" marL="0" rtl="0" algn="l">
-              <a:spcBef>
-                <a:spcPts val="0"/>
-              </a:spcBef>
-              <a:spcAft>
-                <a:spcPts val="0"/>
-              </a:spcAft>
-              <a:buNone/>
-            </a:pPr>
-            <a:r>
-              <a:rPr lang="en"/>
-              <a:t>Data Scaling</a:t>
-            </a:r>
-            <a:endParaRPr/>
-          </a:p>
-          <a:p>
-            <a:pPr indent="-298450" lvl="0" marL="457200" rtl="0" algn="l">
-              <a:spcBef>
-                <a:spcPts val="0"/>
-              </a:spcBef>
-              <a:spcAft>
-                <a:spcPts val="0"/>
-              </a:spcAft>
-              <a:buSzPts val="1100"/>
-              <a:buChar char="●"/>
-            </a:pPr>
-            <a:r>
-              <a:rPr lang="en"/>
-              <a:t>StandardScaler was used to scale the features for both training and testing data </a:t>
-            </a:r>
-            <a:endParaRPr/>
-          </a:p>
-          <a:p>
-            <a:pPr indent="0" lvl="0" marL="0" rtl="0" algn="l">
-              <a:spcBef>
-                <a:spcPts val="0"/>
-              </a:spcBef>
-              <a:spcAft>
-                <a:spcPts val="0"/>
-              </a:spcAft>
-              <a:buNone/>
-            </a:pPr>
-            <a:r>
-              <a:t/>
-            </a:r>
-            <a:endParaRPr/>
-          </a:p>
-          <a:p>
-            <a:pPr indent="0" lvl="0" marL="0" rtl="0" algn="l">
-              <a:spcBef>
-                <a:spcPts val="0"/>
-              </a:spcBef>
-              <a:spcAft>
-                <a:spcPts val="0"/>
-              </a:spcAft>
-              <a:buNone/>
-            </a:pPr>
-            <a:r>
-              <a:rPr lang="en"/>
-              <a:t>Random Forest Model</a:t>
-            </a:r>
-            <a:endParaRPr/>
-          </a:p>
-          <a:p>
-            <a:pPr indent="-298450" lvl="0" marL="457200" rtl="0" algn="l">
-              <a:spcBef>
-                <a:spcPts val="0"/>
-              </a:spcBef>
-              <a:spcAft>
-                <a:spcPts val="0"/>
-              </a:spcAft>
-              <a:buSzPts val="1100"/>
-              <a:buChar char="●"/>
-            </a:pPr>
-            <a:r>
-              <a:rPr lang="en"/>
-              <a:t>A random forest classifier was trained on the scaled training data </a:t>
-            </a:r>
-            <a:endParaRPr/>
-          </a:p>
-          <a:p>
-            <a:pPr indent="-298450" lvl="0" marL="457200" rtl="0" algn="l">
-              <a:spcBef>
-                <a:spcPts val="0"/>
-              </a:spcBef>
-              <a:spcAft>
-                <a:spcPts val="0"/>
-              </a:spcAft>
-              <a:buSzPts val="1100"/>
-              <a:buChar char="●"/>
-            </a:pPr>
-            <a:r>
-              <a:rPr lang="en"/>
-              <a:t>Model saved as ‘rf_model.joblib’</a:t>
-            </a:r>
-            <a:endParaRPr/>
-          </a:p>
-          <a:p>
-            <a:pPr indent="-298450" lvl="0" marL="457200" rtl="0" algn="l">
-              <a:spcBef>
-                <a:spcPts val="0"/>
-              </a:spcBef>
-              <a:spcAft>
-                <a:spcPts val="0"/>
-              </a:spcAft>
-              <a:buSzPts val="1100"/>
-              <a:buChar char="●"/>
-            </a:pPr>
-            <a:r>
-              <a:rPr lang="en"/>
-              <a:t>Initial accuracy of 91.67% and classification report showed high performance </a:t>
-            </a:r>
-            <a:endParaRPr/>
-          </a:p>
-          <a:p>
-            <a:pPr indent="0" lvl="0" marL="0" rtl="0" algn="l">
-              <a:spcBef>
-                <a:spcPts val="0"/>
-              </a:spcBef>
-              <a:spcAft>
-                <a:spcPts val="0"/>
-              </a:spcAft>
-              <a:buNone/>
-            </a:pPr>
-            <a:r>
-              <a:t/>
-            </a:r>
-            <a:endParaRPr/>
-          </a:p>
-          <a:p>
-            <a:pPr indent="0" lvl="0" marL="0" rtl="0" algn="l">
-              <a:spcBef>
-                <a:spcPts val="0"/>
-              </a:spcBef>
-              <a:spcAft>
-                <a:spcPts val="0"/>
-              </a:spcAft>
-              <a:buNone/>
-            </a:pPr>
-            <a:r>
-              <a:rPr lang="en"/>
-              <a:t>Optimized Model</a:t>
-            </a:r>
-            <a:endParaRPr/>
-          </a:p>
-          <a:p>
-            <a:pPr indent="-298450" lvl="0" marL="457200" rtl="0" algn="l">
-              <a:spcBef>
-                <a:spcPts val="0"/>
-              </a:spcBef>
-              <a:spcAft>
-                <a:spcPts val="0"/>
-              </a:spcAft>
-              <a:buSzPts val="1100"/>
-              <a:buChar char="●"/>
-            </a:pPr>
-            <a:r>
-              <a:rPr lang="en"/>
-              <a:t>Optimized Random Forest achieved 100% accuracy on the test set</a:t>
-            </a:r>
-            <a:endParaRPr/>
-          </a:p>
-          <a:p>
-            <a:pPr indent="-298450" lvl="0" marL="457200" rtl="0" algn="l">
-              <a:spcBef>
-                <a:spcPts val="0"/>
-              </a:spcBef>
-              <a:spcAft>
-                <a:spcPts val="0"/>
-              </a:spcAft>
-              <a:buSzPts val="1100"/>
-              <a:buChar char="●"/>
-            </a:pPr>
-            <a:r>
-              <a:rPr lang="en"/>
-              <a:t>The classification report showed perfect precision, recell, and F1-score</a:t>
-            </a:r>
-            <a:endParaRPr/>
-          </a:p>
-          <a:p>
-            <a:pPr indent="-298450" lvl="0" marL="457200" rtl="0" algn="l">
-              <a:spcBef>
-                <a:spcPts val="0"/>
-              </a:spcBef>
-              <a:spcAft>
-                <a:spcPts val="0"/>
-              </a:spcAft>
-              <a:buSzPts val="1100"/>
-              <a:buChar char="●"/>
-            </a:pPr>
-            <a:r>
-              <a:rPr lang="en"/>
-              <a:t>Optimized model saved as ‘optimized_rf_model.joblib’</a:t>
             </a:r>
             <a:endParaRPr/>
           </a:p>
@@ -1857,7 +1758,7 @@
   <p:cSld>
     <p:spTree>
       <p:nvGrpSpPr>
-        <p:cNvPr id="102" name="Shape 102"/>
+        <p:cNvPr id="103" name="Shape 103"/>
         <p:cNvGrpSpPr/>
         <p:nvPr/>
       </p:nvGrpSpPr>
@@ -1871,7 +1772,7 @@
       </p:grpSpPr>
       <p:sp>
         <p:nvSpPr>
-          <p:cNvPr id="103" name="Google Shape;103;g30a5dabf7ec_0_75:notes"/>
+          <p:cNvPr id="104" name="Google Shape;104;g30a5dabf7ec_0_70:notes"/>
           <p:cNvSpPr/>
           <p:nvPr>
             <p:ph idx="2" type="sldImg"/>
@@ -1906,7 +1807,7 @@
       </p:sp>
       <p:sp>
         <p:nvSpPr>
-          <p:cNvPr id="104" name="Google Shape;104;g30a5dabf7ec_0_75:notes"/>
+          <p:cNvPr id="105" name="Google Shape;105;g30a5dabf7ec_0_70:notes"/>
           <p:cNvSpPr txBox="1"/>
           <p:nvPr>
             <p:ph idx="1" type="body"/>
@@ -1927,127 +1828,82 @@
           </a:bodyPr>
           <a:lstStyle/>
           <a:p>
+            <a:pPr indent="0" lvl="0" marL="0" rtl="0" algn="l">
+              <a:spcBef>
+                <a:spcPts val="0"/>
+              </a:spcBef>
+              <a:spcAft>
+                <a:spcPts val="0"/>
+              </a:spcAft>
+              <a:buNone/>
+            </a:pPr>
+            <a:r>
+              <a:rPr lang="en"/>
+              <a:t>Feature and Target Select</a:t>
+            </a:r>
+            <a:endParaRPr/>
+          </a:p>
+          <a:p>
             <a:pPr indent="-298450" lvl="0" marL="457200" rtl="0" algn="l">
-              <a:lnSpc>
-                <a:spcPct val="200000"/>
-              </a:lnSpc>
-              <a:spcBef>
-                <a:spcPts val="0"/>
-              </a:spcBef>
-              <a:spcAft>
-                <a:spcPts val="0"/>
-              </a:spcAft>
-              <a:buClr>
-                <a:schemeClr val="dk1"/>
-              </a:buClr>
+              <a:spcBef>
+                <a:spcPts val="0"/>
+              </a:spcBef>
+              <a:spcAft>
+                <a:spcPts val="0"/>
+              </a:spcAft>
               <a:buSzPts val="1100"/>
               <a:buChar char="●"/>
             </a:pPr>
             <a:r>
-              <a:rPr b="1" lang="en">
-                <a:solidFill>
-                  <a:schemeClr val="dk1"/>
-                </a:solidFill>
-              </a:rPr>
-              <a:t>Data Imbalance:</a:t>
-            </a:r>
-            <a:r>
-              <a:rPr lang="en">
-                <a:solidFill>
-                  <a:schemeClr val="dk1"/>
-                </a:solidFill>
-              </a:rPr>
-              <a:t> Managing skewed datasets, which impact the accuracy of model predictions.</a:t>
-            </a:r>
-            <a:endParaRPr>
-              <a:solidFill>
-                <a:schemeClr val="dk1"/>
-              </a:solidFill>
-            </a:endParaRPr>
+              <a:rPr lang="en"/>
+              <a:t>Dropped </a:t>
+            </a:r>
+            <a:r>
+              <a:rPr lang="en"/>
+              <a:t>unnecessary</a:t>
+            </a:r>
+            <a:r>
+              <a:rPr lang="en"/>
+              <a:t> columns “Label Emotion_y” and “Student Id” to define features (X)</a:t>
+            </a:r>
+            <a:endParaRPr/>
           </a:p>
           <a:p>
             <a:pPr indent="-298450" lvl="0" marL="457200" rtl="0" algn="l">
-              <a:lnSpc>
-                <a:spcPct val="200000"/>
-              </a:lnSpc>
-              <a:spcBef>
-                <a:spcPts val="0"/>
-              </a:spcBef>
-              <a:spcAft>
-                <a:spcPts val="0"/>
-              </a:spcAft>
-              <a:buClr>
-                <a:schemeClr val="dk1"/>
-              </a:buClr>
+              <a:spcBef>
+                <a:spcPts val="0"/>
+              </a:spcBef>
+              <a:spcAft>
+                <a:spcPts val="0"/>
+              </a:spcAft>
               <a:buSzPts val="1100"/>
               <a:buChar char="●"/>
             </a:pPr>
             <a:r>
-              <a:rPr b="1" lang="en">
-                <a:solidFill>
-                  <a:schemeClr val="dk1"/>
-                </a:solidFill>
-              </a:rPr>
-              <a:t>CSV File Download Code Creation:</a:t>
-            </a:r>
-            <a:r>
-              <a:rPr lang="en">
-                <a:solidFill>
-                  <a:schemeClr val="dk1"/>
-                </a:solidFill>
-              </a:rPr>
-              <a:t> Developing efficient code to enable the download of CSV files for data analysis and reporting.</a:t>
-            </a:r>
-            <a:endParaRPr>
-              <a:solidFill>
-                <a:schemeClr val="dk1"/>
-              </a:solidFill>
-            </a:endParaRPr>
+              <a:rPr lang="en"/>
+              <a:t>Set “Label Emotion_y” as the target (y) </a:t>
+            </a:r>
+            <a:endParaRPr/>
           </a:p>
           <a:p>
             <a:pPr indent="-298450" lvl="0" marL="457200" rtl="0" algn="l">
-              <a:lnSpc>
-                <a:spcPct val="200000"/>
-              </a:lnSpc>
-              <a:spcBef>
-                <a:spcPts val="0"/>
-              </a:spcBef>
-              <a:spcAft>
-                <a:spcPts val="0"/>
-              </a:spcAft>
-              <a:buClr>
-                <a:schemeClr val="dk1"/>
-              </a:buClr>
+              <a:spcBef>
+                <a:spcPts val="0"/>
+              </a:spcBef>
+              <a:spcAft>
+                <a:spcPts val="0"/>
+              </a:spcAft>
               <a:buSzPts val="1100"/>
               <a:buChar char="●"/>
             </a:pPr>
             <a:r>
-              <a:rPr b="1" lang="en">
-                <a:solidFill>
-                  <a:schemeClr val="dk1"/>
-                </a:solidFill>
-              </a:rPr>
-              <a:t>Testing Process:</a:t>
-            </a:r>
-            <a:r>
-              <a:rPr lang="en">
-                <a:solidFill>
-                  <a:schemeClr val="dk1"/>
-                </a:solidFill>
-              </a:rPr>
-              <a:t> Addressing complexities in the testing phase, particularly in the writing and validation of test cases.</a:t>
-            </a:r>
-            <a:endParaRPr>
-              <a:solidFill>
-                <a:schemeClr val="dk1"/>
-              </a:solidFill>
-            </a:endParaRPr>
+              <a:rPr lang="en"/>
+              <a:t>Dataset shape: 120 rows, 18 features </a:t>
+            </a:r>
+            <a:endParaRPr/>
           </a:p>
           <a:p>
             <a:pPr indent="0" lvl="0" marL="0" rtl="0" algn="l">
-              <a:lnSpc>
-                <a:spcPct val="200000"/>
-              </a:lnSpc>
               <a:spcBef>
                 <a:spcPts val="0"/>
               </a:spcBef>
@@ -2058,6 +1914,251 @@
             </a:pPr>
             <a:r>
               <a:t/>
+            </a:r>
+            <a:endParaRPr/>
+          </a:p>
+          <a:p>
+            <a:pPr indent="0" lvl="0" marL="0" rtl="0" algn="l">
+              <a:spcBef>
+                <a:spcPts val="0"/>
+              </a:spcBef>
+              <a:spcAft>
+                <a:spcPts val="0"/>
+              </a:spcAft>
+              <a:buNone/>
+            </a:pPr>
+            <a:r>
+              <a:rPr lang="en"/>
+              <a:t>Data Splitting </a:t>
+            </a:r>
+            <a:endParaRPr/>
+          </a:p>
+          <a:p>
+            <a:pPr indent="-298450" lvl="0" marL="457200" rtl="0" algn="l">
+              <a:spcBef>
+                <a:spcPts val="0"/>
+              </a:spcBef>
+              <a:spcAft>
+                <a:spcPts val="0"/>
+              </a:spcAft>
+              <a:buSzPts val="1100"/>
+              <a:buChar char="●"/>
+            </a:pPr>
+            <a:r>
+              <a:rPr lang="en"/>
+              <a:t>Data was split into training (90%) and testing (10%) sets using train_test_split()</a:t>
+            </a:r>
+            <a:endParaRPr/>
+          </a:p>
+          <a:p>
+            <a:pPr indent="0" lvl="0" marL="0" rtl="0" algn="l">
+              <a:spcBef>
+                <a:spcPts val="0"/>
+              </a:spcBef>
+              <a:spcAft>
+                <a:spcPts val="0"/>
+              </a:spcAft>
+              <a:buNone/>
+            </a:pPr>
+            <a:r>
+              <a:t/>
+            </a:r>
+            <a:endParaRPr/>
+          </a:p>
+          <a:p>
+            <a:pPr indent="0" lvl="0" marL="0" rtl="0" algn="l">
+              <a:spcBef>
+                <a:spcPts val="0"/>
+              </a:spcBef>
+              <a:spcAft>
+                <a:spcPts val="0"/>
+              </a:spcAft>
+              <a:buNone/>
+            </a:pPr>
+            <a:r>
+              <a:rPr lang="en"/>
+              <a:t>Data Scaling</a:t>
+            </a:r>
+            <a:endParaRPr/>
+          </a:p>
+          <a:p>
+            <a:pPr indent="-298450" lvl="0" marL="457200" rtl="0" algn="l">
+              <a:spcBef>
+                <a:spcPts val="0"/>
+              </a:spcBef>
+              <a:spcAft>
+                <a:spcPts val="0"/>
+              </a:spcAft>
+              <a:buSzPts val="1100"/>
+              <a:buChar char="●"/>
+            </a:pPr>
+            <a:r>
+              <a:rPr lang="en"/>
+              <a:t>StandardScaler was used to scale the features for both training and testing data </a:t>
+            </a:r>
+            <a:endParaRPr/>
+          </a:p>
+          <a:p>
+            <a:pPr indent="0" lvl="0" marL="0" rtl="0" algn="l">
+              <a:spcBef>
+                <a:spcPts val="0"/>
+              </a:spcBef>
+              <a:spcAft>
+                <a:spcPts val="0"/>
+              </a:spcAft>
+              <a:buNone/>
+            </a:pPr>
+            <a:r>
+              <a:t/>
+            </a:r>
+            <a:endParaRPr/>
+          </a:p>
+          <a:p>
+            <a:pPr indent="0" lvl="0" marL="0" rtl="0" algn="l">
+              <a:spcBef>
+                <a:spcPts val="0"/>
+              </a:spcBef>
+              <a:spcAft>
+                <a:spcPts val="0"/>
+              </a:spcAft>
+              <a:buNone/>
+            </a:pPr>
+            <a:r>
+              <a:rPr lang="en"/>
+              <a:t>Random Forest Model</a:t>
+            </a:r>
+            <a:endParaRPr/>
+          </a:p>
+          <a:p>
+            <a:pPr indent="-298450" lvl="0" marL="457200" rtl="0" algn="l">
+              <a:spcBef>
+                <a:spcPts val="0"/>
+              </a:spcBef>
+              <a:spcAft>
+                <a:spcPts val="0"/>
+              </a:spcAft>
+              <a:buSzPts val="1100"/>
+              <a:buChar char="●"/>
+            </a:pPr>
+            <a:r>
+              <a:rPr lang="en"/>
+              <a:t>A random forest classifier was trained on the scaled training data </a:t>
+            </a:r>
+            <a:endParaRPr/>
+          </a:p>
+          <a:p>
+            <a:pPr indent="-298450" lvl="0" marL="457200" rtl="0" algn="l">
+              <a:spcBef>
+                <a:spcPts val="0"/>
+              </a:spcBef>
+              <a:spcAft>
+                <a:spcPts val="0"/>
+              </a:spcAft>
+              <a:buSzPts val="1100"/>
+              <a:buChar char="●"/>
+            </a:pPr>
+            <a:r>
+              <a:rPr lang="en"/>
+              <a:t>Model saved as ‘rf_model.joblib’</a:t>
+            </a:r>
+            <a:endParaRPr/>
+          </a:p>
+          <a:p>
+            <a:pPr indent="-298450" lvl="0" marL="457200" rtl="0" algn="l">
+              <a:spcBef>
+                <a:spcPts val="0"/>
+              </a:spcBef>
+              <a:spcAft>
+                <a:spcPts val="0"/>
+              </a:spcAft>
+              <a:buSzPts val="1100"/>
+              <a:buChar char="●"/>
+            </a:pPr>
+            <a:r>
+              <a:rPr lang="en"/>
+              <a:t>Initial accuracy of 91.67% and classification report showed high performance </a:t>
+            </a:r>
+            <a:endParaRPr/>
+          </a:p>
+          <a:p>
+            <a:pPr indent="0" lvl="0" marL="0" rtl="0" algn="l">
+              <a:spcBef>
+                <a:spcPts val="0"/>
+              </a:spcBef>
+              <a:spcAft>
+                <a:spcPts val="0"/>
+              </a:spcAft>
+              <a:buNone/>
+            </a:pPr>
+            <a:r>
+              <a:t/>
+            </a:r>
+            <a:endParaRPr/>
+          </a:p>
+          <a:p>
+            <a:pPr indent="0" lvl="0" marL="0" rtl="0" algn="l">
+              <a:spcBef>
+                <a:spcPts val="0"/>
+              </a:spcBef>
+              <a:spcAft>
+                <a:spcPts val="0"/>
+              </a:spcAft>
+              <a:buNone/>
+            </a:pPr>
+            <a:r>
+              <a:rPr lang="en"/>
+              <a:t>Optimized Model</a:t>
+            </a:r>
+            <a:endParaRPr/>
+          </a:p>
+          <a:p>
+            <a:pPr indent="-298450" lvl="0" marL="457200" rtl="0" algn="l">
+              <a:spcBef>
+                <a:spcPts val="0"/>
+              </a:spcBef>
+              <a:spcAft>
+                <a:spcPts val="0"/>
+              </a:spcAft>
+              <a:buSzPts val="1100"/>
+              <a:buChar char="●"/>
+            </a:pPr>
+            <a:r>
+              <a:rPr lang="en"/>
+              <a:t>Optimized Random Forest achieved 100% accuracy on the test set</a:t>
+            </a:r>
+            <a:endParaRPr/>
+          </a:p>
+          <a:p>
+            <a:pPr indent="-298450" lvl="0" marL="457200" rtl="0" algn="l">
+              <a:spcBef>
+                <a:spcPts val="0"/>
+              </a:spcBef>
+              <a:spcAft>
+                <a:spcPts val="0"/>
+              </a:spcAft>
+              <a:buSzPts val="1100"/>
+              <a:buChar char="●"/>
+            </a:pPr>
+            <a:r>
+              <a:rPr lang="en"/>
+              <a:t>The classification report showed perfect precision, recell, and F1-score</a:t>
+            </a:r>
+            <a:endParaRPr/>
+          </a:p>
+          <a:p>
+            <a:pPr indent="-298450" lvl="0" marL="457200" rtl="0" algn="l">
+              <a:spcBef>
+                <a:spcPts val="0"/>
+              </a:spcBef>
+              <a:spcAft>
+                <a:spcPts val="0"/>
+              </a:spcAft>
+              <a:buSzPts val="1100"/>
+              <a:buChar char="●"/>
+            </a:pPr>
+            <a:r>
+              <a:rPr lang="en"/>
+              <a:t>Optimized model saved as ‘optimized_rf_model.joblib’</a:t>
             </a:r>
             <a:endParaRPr/>
           </a:p>
@@ -2076,7 +2177,7 @@
   <p:cSld>
     <p:spTree>
       <p:nvGrpSpPr>
-        <p:cNvPr id="109" name="Shape 109"/>
+        <p:cNvPr id="110" name="Shape 110"/>
         <p:cNvGrpSpPr/>
         <p:nvPr/>
       </p:nvGrpSpPr>
@@ -2090,7 +2191,7 @@
       </p:grpSpPr>
       <p:sp>
         <p:nvSpPr>
-          <p:cNvPr id="110" name="Google Shape;110;g2fa9eab4127_0_0:notes"/>
+          <p:cNvPr id="111" name="Google Shape;111;g30a5dabf7ec_0_75:notes"/>
           <p:cNvSpPr/>
           <p:nvPr>
             <p:ph idx="2" type="sldImg"/>
@@ -2125,7 +2226,7 @@
       </p:sp>
       <p:sp>
         <p:nvSpPr>
-          <p:cNvPr id="111" name="Google Shape;111;g2fa9eab4127_0_0:notes"/>
+          <p:cNvPr id="112" name="Google Shape;112;g30a5dabf7ec_0_75:notes"/>
           <p:cNvSpPr txBox="1"/>
           <p:nvPr>
             <p:ph idx="1" type="body"/>
@@ -2148,7 +2249,7 @@
           <a:p>
             <a:pPr indent="-298450" lvl="0" marL="457200" rtl="0" algn="l">
               <a:lnSpc>
-                <a:spcPct val="150000"/>
+                <a:spcPct val="200000"/>
               </a:lnSpc>
               <a:spcBef>
                 <a:spcPts val="0"/>
@@ -2156,23 +2257,38 @@
               <a:spcAft>
                 <a:spcPts val="0"/>
               </a:spcAft>
+              <a:buClr>
+                <a:schemeClr val="dk1"/>
+              </a:buClr>
               <a:buSzPts val="1100"/>
               <a:buChar char="●"/>
             </a:pPr>
             <a:r>
-              <a:rPr b="1" lang="en"/>
-              <a:t>Disease detection: </a:t>
-            </a:r>
-            <a:r>
-              <a:rPr lang="en"/>
-              <a:t>Expand the model to detect early signs of neurodegenerative diseases like Parkinson’s and Alzheimer's through handwriting patterns. By analyzing features such as tremors, slowness, or irregularity in handwriting, the model could assist in early diagnosis.</a:t>
-            </a:r>
-            <a:endParaRPr/>
+              <a:rPr b="1" lang="en">
+                <a:solidFill>
+                  <a:schemeClr val="dk1"/>
+                </a:solidFill>
+              </a:rPr>
+              <a:t>Data Imbalance:</a:t>
+            </a:r>
+            <a:r>
+              <a:rPr lang="en">
+                <a:solidFill>
+                  <a:schemeClr val="dk1"/>
+                </a:solidFill>
+              </a:rPr>
+              <a:t> Managing skewed datasets, which impact the accuracy of model predictions.</a:t>
+            </a:r>
+            <a:endParaRPr>
+              <a:solidFill>
+                <a:schemeClr val="dk1"/>
+              </a:solidFill>
+            </a:endParaRPr>
           </a:p>
           <a:p>
             <a:pPr indent="-298450" lvl="0" marL="457200" rtl="0" algn="l">
               <a:lnSpc>
-                <a:spcPct val="150000"/>
+                <a:spcPct val="200000"/>
               </a:lnSpc>
               <a:spcBef>
                 <a:spcPts val="0"/>
@@ -2180,27 +2296,38 @@
               <a:spcAft>
                 <a:spcPts val="0"/>
               </a:spcAft>
+              <a:buClr>
+                <a:schemeClr val="dk1"/>
+              </a:buClr>
               <a:buSzPts val="1100"/>
               <a:buChar char="●"/>
             </a:pPr>
             <a:r>
-              <a:rPr b="1" lang="en"/>
-              <a:t>Age-inclusive handwriting analysis</a:t>
-            </a:r>
-            <a:r>
-              <a:rPr lang="en"/>
-              <a:t>: </a:t>
-            </a:r>
-            <a:r>
-              <a:rPr lang="en"/>
-              <a:t>Enhance the classifier to recognize handwriting patterns across a broader age spectrum, from children to seniors. This could involve retraining the model with diverse age-specific datasets to improve accuracy for different developmental and cognitive stages.</a:t>
-            </a:r>
-            <a:endParaRPr/>
+              <a:rPr b="1" lang="en">
+                <a:solidFill>
+                  <a:schemeClr val="dk1"/>
+                </a:solidFill>
+              </a:rPr>
+              <a:t>CSV File Download Code Creation:</a:t>
+            </a:r>
+            <a:r>
+              <a:rPr lang="en">
+                <a:solidFill>
+                  <a:schemeClr val="dk1"/>
+                </a:solidFill>
+              </a:rPr>
+              <a:t> Developing efficient code to enable the download of CSV files for data analysis and reporting.</a:t>
+            </a:r>
+            <a:endParaRPr>
+              <a:solidFill>
+                <a:schemeClr val="dk1"/>
+              </a:solidFill>
+            </a:endParaRPr>
           </a:p>
           <a:p>
             <a:pPr indent="-298450" lvl="0" marL="457200" rtl="0" algn="l">
               <a:lnSpc>
-                <a:spcPct val="150000"/>
+                <a:spcPct val="200000"/>
               </a:lnSpc>
               <a:spcBef>
                 <a:spcPts val="0"/>
@@ -2208,27 +2335,38 @@
               <a:spcAft>
                 <a:spcPts val="0"/>
               </a:spcAft>
+              <a:buClr>
+                <a:schemeClr val="dk1"/>
+              </a:buClr>
               <a:buSzPts val="1100"/>
               <a:buChar char="●"/>
             </a:pPr>
             <a:r>
-              <a:rPr b="1" lang="en"/>
-              <a:t>Multilingual sentiment analysis:</a:t>
-            </a:r>
-            <a:r>
-              <a:rPr lang="en"/>
-              <a:t> </a:t>
-            </a:r>
-            <a:r>
-              <a:rPr lang="en"/>
-              <a:t>Extend the model to support multiple languages. Handwriting styles can vary significantly between languages, so developing algorithms that recognize handwriting in various scripts and associate it with sentiment could make the model more globally applicable.</a:t>
-            </a:r>
-            <a:endParaRPr/>
+              <a:rPr b="1" lang="en">
+                <a:solidFill>
+                  <a:schemeClr val="dk1"/>
+                </a:solidFill>
+              </a:rPr>
+              <a:t>Testing Process:</a:t>
+            </a:r>
+            <a:r>
+              <a:rPr lang="en">
+                <a:solidFill>
+                  <a:schemeClr val="dk1"/>
+                </a:solidFill>
+              </a:rPr>
+              <a:t> Addressing complexities in the testing phase, particularly in the writing and validation of test cases.</a:t>
+            </a:r>
+            <a:endParaRPr>
+              <a:solidFill>
+                <a:schemeClr val="dk1"/>
+              </a:solidFill>
+            </a:endParaRPr>
           </a:p>
           <a:p>
-            <a:pPr indent="-298450" lvl="0" marL="457200" rtl="0" algn="l">
+            <a:pPr indent="0" lvl="0" marL="0" rtl="0" algn="l">
               <a:lnSpc>
-                <a:spcPct val="150000"/>
+                <a:spcPct val="200000"/>
               </a:lnSpc>
               <a:spcBef>
                 <a:spcPts val="0"/>
@@ -2236,48 +2374,10 @@
               <a:spcAft>
                 <a:spcPts val="0"/>
               </a:spcAft>
-              <a:buSzPts val="1100"/>
-              <a:buChar char="●"/>
+              <a:buNone/>
             </a:pPr>
             <a:r>
-              <a:rPr b="1" lang="en"/>
-              <a:t>Handwriting style adaptation:</a:t>
-            </a:r>
-            <a:r>
-              <a:rPr lang="en"/>
-              <a:t> </a:t>
-            </a:r>
-            <a:r>
-              <a:rPr lang="en"/>
-              <a:t>Incorporate learning techniques that adapt to different individual handwriting styles, improving the classifier’s robustness to variations in letter shapes, size, or slant. This could be achieved through style transfer methods or personalized handwriting models.</a:t>
-            </a:r>
-            <a:endParaRPr/>
-          </a:p>
-          <a:p>
-            <a:pPr indent="-298450" lvl="0" marL="457200" rtl="0" algn="l">
-              <a:lnSpc>
-                <a:spcPct val="150000"/>
-              </a:lnSpc>
-              <a:spcBef>
-                <a:spcPts val="0"/>
-              </a:spcBef>
-              <a:spcAft>
-                <a:spcPts val="0"/>
-              </a:spcAft>
-              <a:buSzPts val="1100"/>
-              <a:buChar char="●"/>
-            </a:pPr>
-            <a:r>
-              <a:rPr b="1" lang="en"/>
-              <a:t>Handwriting rehabilitation monitoring:</a:t>
-            </a:r>
-            <a:r>
-              <a:rPr lang="en"/>
-              <a:t> </a:t>
-            </a:r>
-            <a:r>
-              <a:rPr lang="en"/>
-              <a:t>Create a module to track the progress of individuals undergoing rehabilitation for motor control issues. The system could analyze improvements in handwriting to monitor recovery from conditions like stroke or hand injuries.</a:t>
+              <a:t/>
             </a:r>
             <a:endParaRPr/>
           </a:p>
@@ -7861,6 +7961,207 @@
 </p:sld>
 </file>
 
+<file path=ppt/slides/slide10.xml><?xml version="1.0" encoding="utf-8"?>
+<p:sld xmlns:a="http://schemas.openxmlformats.org/drawingml/2006/main" xmlns:r="http://schemas.openxmlformats.org/officeDocument/2006/relationships" xmlns:mc="http://schemas.openxmlformats.org/markup-compatibility/2006" xmlns:mv="urn:schemas-microsoft-com:mac:vml" xmlns:p="http://schemas.openxmlformats.org/presentationml/2006/main" xmlns:c="http://schemas.openxmlformats.org/drawingml/2006/chart" xmlns:dgm="http://schemas.openxmlformats.org/drawingml/2006/diagram" xmlns:o="urn:schemas-microsoft-com:office:office" xmlns:v="urn:schemas-microsoft-com:vml" xmlns:pvml="urn:schemas-microsoft-com:office:powerpoint" xmlns:com="http://schemas.openxmlformats.org/drawingml/2006/compatibility" xmlns:p14="http://schemas.microsoft.com/office/powerpoint/2010/main" xmlns:p15="http://schemas.microsoft.com/office/powerpoint/2012/main" xmlns:ahyp="http://schemas.microsoft.com/office/drawing/2018/hyperlinkcolor">
+  <p:cSld>
+    <p:bg>
+      <p:bgPr>
+        <a:blipFill>
+          <a:blip r:embed="rId3">
+            <a:alphaModFix/>
+          </a:blip>
+          <a:stretch>
+            <a:fillRect/>
+          </a:stretch>
+        </a:blipFill>
+      </p:bgPr>
+    </p:bg>
+    <p:spTree>
+      <p:nvGrpSpPr>
+        <p:cNvPr id="120" name="Shape 120"/>
+        <p:cNvGrpSpPr/>
+        <p:nvPr/>
+      </p:nvGrpSpPr>
+      <p:grpSpPr>
+        <a:xfrm>
+          <a:off x="0" y="0"/>
+          <a:ext cx="0" cy="0"/>
+          <a:chOff x="0" y="0"/>
+          <a:chExt cx="0" cy="0"/>
+        </a:xfrm>
+      </p:grpSpPr>
+      <p:sp>
+        <p:nvSpPr>
+          <p:cNvPr id="121" name="Google Shape;121;p22"/>
+          <p:cNvSpPr txBox="1"/>
+          <p:nvPr>
+            <p:ph type="title"/>
+          </p:nvPr>
+        </p:nvSpPr>
+        <p:spPr>
+          <a:xfrm>
+            <a:off x="311700" y="315925"/>
+            <a:ext cx="8520600" cy="831300"/>
+          </a:xfrm>
+          <a:prstGeom prst="rect">
+            <a:avLst/>
+          </a:prstGeom>
+        </p:spPr>
+        <p:txBody>
+          <a:bodyPr anchorCtr="0" anchor="b" bIns="91425" lIns="91425" spcFirstLastPara="1" rIns="91425" wrap="square" tIns="91425">
+            <a:normAutofit/>
+          </a:bodyPr>
+          <a:lstStyle/>
+          <a:p>
+            <a:pPr indent="0" lvl="0" marL="0" rtl="0" algn="l">
+              <a:spcBef>
+                <a:spcPts val="0"/>
+              </a:spcBef>
+              <a:spcAft>
+                <a:spcPts val="0"/>
+              </a:spcAft>
+              <a:buNone/>
+            </a:pPr>
+            <a:r>
+              <a:rPr lang="en"/>
+              <a:t>Future Development </a:t>
+            </a:r>
+            <a:endParaRPr/>
+          </a:p>
+        </p:txBody>
+      </p:sp>
+      <p:sp>
+        <p:nvSpPr>
+          <p:cNvPr id="122" name="Google Shape;122;p22"/>
+          <p:cNvSpPr txBox="1"/>
+          <p:nvPr>
+            <p:ph idx="1" type="body"/>
+          </p:nvPr>
+        </p:nvSpPr>
+        <p:spPr>
+          <a:xfrm>
+            <a:off x="311700" y="1225225"/>
+            <a:ext cx="8520600" cy="3354000"/>
+          </a:xfrm>
+          <a:prstGeom prst="rect">
+            <a:avLst/>
+          </a:prstGeom>
+        </p:spPr>
+        <p:txBody>
+          <a:bodyPr anchorCtr="0" anchor="t" bIns="91425" lIns="91425" spcFirstLastPara="1" rIns="91425" wrap="square" tIns="91425">
+            <a:normAutofit/>
+          </a:bodyPr>
+          <a:lstStyle/>
+          <a:p>
+            <a:pPr indent="-342900" lvl="0" marL="457200" rtl="0" algn="l">
+              <a:lnSpc>
+                <a:spcPct val="200000"/>
+              </a:lnSpc>
+              <a:spcBef>
+                <a:spcPts val="0"/>
+              </a:spcBef>
+              <a:spcAft>
+                <a:spcPts val="0"/>
+              </a:spcAft>
+              <a:buSzPts val="1800"/>
+              <a:buChar char="●"/>
+            </a:pPr>
+            <a:r>
+              <a:rPr lang="en"/>
+              <a:t>Disease detection (Parkinson &amp; Alzheimer’s)</a:t>
+            </a:r>
+            <a:endParaRPr/>
+          </a:p>
+          <a:p>
+            <a:pPr indent="-342900" lvl="0" marL="457200" rtl="0" algn="l">
+              <a:lnSpc>
+                <a:spcPct val="200000"/>
+              </a:lnSpc>
+              <a:spcBef>
+                <a:spcPts val="0"/>
+              </a:spcBef>
+              <a:spcAft>
+                <a:spcPts val="0"/>
+              </a:spcAft>
+              <a:buSzPts val="1800"/>
+              <a:buChar char="●"/>
+            </a:pPr>
+            <a:r>
+              <a:rPr lang="en"/>
+              <a:t>Age-Inclusive handwriting analysis</a:t>
+            </a:r>
+            <a:endParaRPr/>
+          </a:p>
+          <a:p>
+            <a:pPr indent="-342900" lvl="0" marL="457200" rtl="0" algn="l">
+              <a:lnSpc>
+                <a:spcPct val="200000"/>
+              </a:lnSpc>
+              <a:spcBef>
+                <a:spcPts val="0"/>
+              </a:spcBef>
+              <a:spcAft>
+                <a:spcPts val="0"/>
+              </a:spcAft>
+              <a:buSzPts val="1800"/>
+              <a:buChar char="●"/>
+            </a:pPr>
+            <a:r>
+              <a:rPr lang="en"/>
+              <a:t>Multilingual sentiment analysis</a:t>
+            </a:r>
+            <a:endParaRPr/>
+          </a:p>
+          <a:p>
+            <a:pPr indent="-342900" lvl="0" marL="457200" rtl="0" algn="l">
+              <a:lnSpc>
+                <a:spcPct val="200000"/>
+              </a:lnSpc>
+              <a:spcBef>
+                <a:spcPts val="0"/>
+              </a:spcBef>
+              <a:spcAft>
+                <a:spcPts val="0"/>
+              </a:spcAft>
+              <a:buSzPts val="1800"/>
+              <a:buChar char="●"/>
+            </a:pPr>
+            <a:r>
+              <a:rPr lang="en"/>
+              <a:t>Handwriting style adaptation </a:t>
+            </a:r>
+            <a:endParaRPr/>
+          </a:p>
+          <a:p>
+            <a:pPr indent="-342900" lvl="0" marL="457200" rtl="0" algn="l">
+              <a:lnSpc>
+                <a:spcPct val="200000"/>
+              </a:lnSpc>
+              <a:spcBef>
+                <a:spcPts val="0"/>
+              </a:spcBef>
+              <a:spcAft>
+                <a:spcPts val="0"/>
+              </a:spcAft>
+              <a:buSzPts val="1800"/>
+              <a:buChar char="●"/>
+            </a:pPr>
+            <a:r>
+              <a:rPr lang="en"/>
+              <a:t>Handwriting rehabilitation monitoring </a:t>
+            </a:r>
+            <a:endParaRPr/>
+          </a:p>
+        </p:txBody>
+      </p:sp>
+    </p:spTree>
+  </p:cSld>
+  <p:clrMapOvr>
+    <a:masterClrMapping/>
+  </p:clrMapOvr>
+</p:sld>
+</file>
+
 <file path=ppt/slides/slide2.xml><?xml version="1.0" encoding="utf-8"?>
 <p:sld xmlns:a="http://schemas.openxmlformats.org/drawingml/2006/main" xmlns:r="http://schemas.openxmlformats.org/officeDocument/2006/relationships" xmlns:mc="http://schemas.openxmlformats.org/markup-compatibility/2006" xmlns:mv="urn:schemas-microsoft-com:mac:vml" xmlns:p="http://schemas.openxmlformats.org/presentationml/2006/main" xmlns:c="http://schemas.openxmlformats.org/drawingml/2006/chart" xmlns:dgm="http://schemas.openxmlformats.org/drawingml/2006/diagram" xmlns:o="urn:schemas-microsoft-com:office:office" xmlns:v="urn:schemas-microsoft-com:vml" xmlns:pvml="urn:schemas-microsoft-com:office:powerpoint" xmlns:com="http://schemas.openxmlformats.org/drawingml/2006/compatibility" xmlns:p14="http://schemas.microsoft.com/office/powerpoint/2010/main" xmlns:p15="http://schemas.microsoft.com/office/powerpoint/2012/main" xmlns:ahyp="http://schemas.microsoft.com/office/drawing/2018/hyperlinkcolor">
   <p:cSld>
@@ -8504,6 +8805,34 @@
           </a:p>
         </p:txBody>
       </p:sp>
+      <p:pic>
+        <p:nvPicPr>
+          <p:cNvPr id="89" name="Google Shape;89;p17"/>
+          <p:cNvPicPr preferRelativeResize="0"/>
+          <p:nvPr/>
+        </p:nvPicPr>
+        <p:blipFill>
+          <a:blip r:embed="rId3">
+            <a:alphaModFix/>
+          </a:blip>
+          <a:stretch>
+            <a:fillRect/>
+          </a:stretch>
+        </p:blipFill>
+        <p:spPr>
+          <a:xfrm>
+            <a:off x="1963525" y="0"/>
+            <a:ext cx="4929800" cy="5143500"/>
+          </a:xfrm>
+          <a:prstGeom prst="rect">
+            <a:avLst/>
+          </a:prstGeom>
+          <a:noFill/>
+          <a:ln>
+            <a:noFill/>
+          </a:ln>
+        </p:spPr>
+      </p:pic>
     </p:spTree>
   </p:cSld>
   <p:clrMapOvr>
@@ -8517,7 +8846,7 @@
   <p:cSld>
     <p:spTree>
       <p:nvGrpSpPr>
-        <p:cNvPr id="92" name="Shape 92"/>
+        <p:cNvPr id="93" name="Shape 93"/>
         <p:cNvGrpSpPr/>
         <p:nvPr/>
       </p:nvGrpSpPr>
@@ -8531,7 +8860,7 @@
       </p:grpSpPr>
       <p:sp>
         <p:nvSpPr>
-          <p:cNvPr id="93" name="Google Shape;93;p18"/>
+          <p:cNvPr id="94" name="Google Shape;94;p18"/>
           <p:cNvSpPr txBox="1"/>
           <p:nvPr>
             <p:ph type="title"/>
@@ -8562,8 +8891,7 @@
               <a:buNone/>
             </a:pPr>
             <a:r>
-              <a:rPr lang="en"/>
-              <a:t>Graphs </a:t>
+              <a:t/>
             </a:r>
             <a:endParaRPr/>
           </a:p>
@@ -8571,7 +8899,7 @@
       </p:sp>
       <p:sp>
         <p:nvSpPr>
-          <p:cNvPr id="94" name="Google Shape;94;p18"/>
+          <p:cNvPr id="95" name="Google Shape;95;p18"/>
           <p:cNvSpPr txBox="1"/>
           <p:nvPr>
             <p:ph idx="1" type="body"/>
@@ -8608,6 +8936,34 @@
           </a:p>
         </p:txBody>
       </p:sp>
+      <p:pic>
+        <p:nvPicPr>
+          <p:cNvPr id="96" name="Google Shape;96;p18"/>
+          <p:cNvPicPr preferRelativeResize="0"/>
+          <p:nvPr/>
+        </p:nvPicPr>
+        <p:blipFill>
+          <a:blip r:embed="rId3">
+            <a:alphaModFix/>
+          </a:blip>
+          <a:stretch>
+            <a:fillRect/>
+          </a:stretch>
+        </p:blipFill>
+        <p:spPr>
+          <a:xfrm>
+            <a:off x="1921895" y="0"/>
+            <a:ext cx="4937760" cy="5143500"/>
+          </a:xfrm>
+          <a:prstGeom prst="rect">
+            <a:avLst/>
+          </a:prstGeom>
+          <a:noFill/>
+          <a:ln>
+            <a:noFill/>
+          </a:ln>
+        </p:spPr>
+      </p:pic>
     </p:spTree>
   </p:cSld>
   <p:clrMapOvr>
@@ -8621,7 +8977,7 @@
   <p:cSld>
     <p:spTree>
       <p:nvGrpSpPr>
-        <p:cNvPr id="98" name="Shape 98"/>
+        <p:cNvPr id="100" name="Shape 100"/>
         <p:cNvGrpSpPr/>
         <p:nvPr/>
       </p:nvGrpSpPr>
@@ -8635,7 +8991,99 @@
       </p:grpSpPr>
       <p:sp>
         <p:nvSpPr>
-          <p:cNvPr id="99" name="Google Shape;99;p19"/>
+          <p:cNvPr id="101" name="Google Shape;101;p19"/>
+          <p:cNvSpPr txBox="1"/>
+          <p:nvPr>
+            <p:ph idx="1" type="body"/>
+          </p:nvPr>
+        </p:nvSpPr>
+        <p:spPr>
+          <a:xfrm>
+            <a:off x="311700" y="1225225"/>
+            <a:ext cx="8520600" cy="3354000"/>
+          </a:xfrm>
+          <a:prstGeom prst="rect">
+            <a:avLst/>
+          </a:prstGeom>
+        </p:spPr>
+        <p:txBody>
+          <a:bodyPr anchorCtr="0" anchor="t" bIns="91425" lIns="91425" spcFirstLastPara="1" rIns="91425" wrap="square" tIns="91425">
+            <a:normAutofit/>
+          </a:bodyPr>
+          <a:lstStyle/>
+          <a:p>
+            <a:pPr indent="0" lvl="0" marL="0" rtl="0" algn="l">
+              <a:spcBef>
+                <a:spcPts val="0"/>
+              </a:spcBef>
+              <a:spcAft>
+                <a:spcPts val="1200"/>
+              </a:spcAft>
+              <a:buNone/>
+            </a:pPr>
+            <a:r>
+              <a:t/>
+            </a:r>
+            <a:endParaRPr/>
+          </a:p>
+        </p:txBody>
+      </p:sp>
+      <p:pic>
+        <p:nvPicPr>
+          <p:cNvPr id="102" name="Google Shape;102;p19"/>
+          <p:cNvPicPr preferRelativeResize="0"/>
+          <p:nvPr/>
+        </p:nvPicPr>
+        <p:blipFill>
+          <a:blip r:embed="rId3">
+            <a:alphaModFix/>
+          </a:blip>
+          <a:stretch>
+            <a:fillRect/>
+          </a:stretch>
+        </p:blipFill>
+        <p:spPr>
+          <a:xfrm>
+            <a:off x="1193510" y="0"/>
+            <a:ext cx="6756985" cy="5143500"/>
+          </a:xfrm>
+          <a:prstGeom prst="rect">
+            <a:avLst/>
+          </a:prstGeom>
+          <a:noFill/>
+          <a:ln>
+            <a:noFill/>
+          </a:ln>
+        </p:spPr>
+      </p:pic>
+    </p:spTree>
+  </p:cSld>
+  <p:clrMapOvr>
+    <a:masterClrMapping/>
+  </p:clrMapOvr>
+</p:sld>
+</file>
+
+<file path=ppt/slides/slide8.xml><?xml version="1.0" encoding="utf-8"?>
+<p:sld xmlns:a="http://schemas.openxmlformats.org/drawingml/2006/main" xmlns:r="http://schemas.openxmlformats.org/officeDocument/2006/relationships" xmlns:mc="http://schemas.openxmlformats.org/markup-compatibility/2006" xmlns:mv="urn:schemas-microsoft-com:mac:vml" xmlns:p="http://schemas.openxmlformats.org/presentationml/2006/main" xmlns:c="http://schemas.openxmlformats.org/drawingml/2006/chart" xmlns:dgm="http://schemas.openxmlformats.org/drawingml/2006/diagram" xmlns:o="urn:schemas-microsoft-com:office:office" xmlns:v="urn:schemas-microsoft-com:vml" xmlns:pvml="urn:schemas-microsoft-com:office:powerpoint" xmlns:com="http://schemas.openxmlformats.org/drawingml/2006/compatibility" xmlns:p14="http://schemas.microsoft.com/office/powerpoint/2010/main" xmlns:p15="http://schemas.microsoft.com/office/powerpoint/2012/main" xmlns:ahyp="http://schemas.microsoft.com/office/drawing/2018/hyperlinkcolor">
+  <p:cSld>
+    <p:spTree>
+      <p:nvGrpSpPr>
+        <p:cNvPr id="106" name="Shape 106"/>
+        <p:cNvGrpSpPr/>
+        <p:nvPr/>
+      </p:nvGrpSpPr>
+      <p:grpSpPr>
+        <a:xfrm>
+          <a:off x="0" y="0"/>
+          <a:ext cx="0" cy="0"/>
+          <a:chOff x="0" y="0"/>
+          <a:chExt cx="0" cy="0"/>
+        </a:xfrm>
+      </p:grpSpPr>
+      <p:sp>
+        <p:nvSpPr>
+          <p:cNvPr id="107" name="Google Shape;107;p20"/>
           <p:cNvSpPr txBox="1"/>
           <p:nvPr>
             <p:ph type="title"/>
@@ -8675,7 +9123,7 @@
       </p:sp>
       <p:sp>
         <p:nvSpPr>
-          <p:cNvPr id="100" name="Google Shape;100;p19"/>
+          <p:cNvPr id="108" name="Google Shape;108;p20"/>
           <p:cNvSpPr txBox="1"/>
           <p:nvPr>
             <p:ph idx="1" type="body"/>
@@ -8799,7 +9247,7 @@
       </p:sp>
       <p:pic>
         <p:nvPicPr>
-          <p:cNvPr id="101" name="Google Shape;101;p19"/>
+          <p:cNvPr id="109" name="Google Shape;109;p20"/>
           <p:cNvPicPr preferRelativeResize="0"/>
           <p:nvPr/>
         </p:nvPicPr>
@@ -8833,12 +9281,12 @@
 </p:sld>
 </file>
 
-<file path=ppt/slides/slide8.xml><?xml version="1.0" encoding="utf-8"?>
+<file path=ppt/slides/slide9.xml><?xml version="1.0" encoding="utf-8"?>
 <p:sld xmlns:a="http://schemas.openxmlformats.org/drawingml/2006/main" xmlns:r="http://schemas.openxmlformats.org/officeDocument/2006/relationships" xmlns:mc="http://schemas.openxmlformats.org/markup-compatibility/2006" xmlns:mv="urn:schemas-microsoft-com:mac:vml" xmlns:p="http://schemas.openxmlformats.org/presentationml/2006/main" xmlns:c="http://schemas.openxmlformats.org/drawingml/2006/chart" xmlns:dgm="http://schemas.openxmlformats.org/drawingml/2006/diagram" xmlns:o="urn:schemas-microsoft-com:office:office" xmlns:v="urn:schemas-microsoft-com:vml" xmlns:pvml="urn:schemas-microsoft-com:office:powerpoint" xmlns:com="http://schemas.openxmlformats.org/drawingml/2006/compatibility" xmlns:p14="http://schemas.microsoft.com/office/powerpoint/2010/main" xmlns:p15="http://schemas.microsoft.com/office/powerpoint/2012/main" xmlns:ahyp="http://schemas.microsoft.com/office/drawing/2018/hyperlinkcolor">
   <p:cSld>
     <p:spTree>
       <p:nvGrpSpPr>
-        <p:cNvPr id="105" name="Shape 105"/>
+        <p:cNvPr id="113" name="Shape 113"/>
         <p:cNvGrpSpPr/>
         <p:nvPr/>
       </p:nvGrpSpPr>
@@ -8852,7 +9300,7 @@
       </p:grpSpPr>
       <p:sp>
         <p:nvSpPr>
-          <p:cNvPr id="106" name="Google Shape;106;p20"/>
+          <p:cNvPr id="114" name="Google Shape;114;p21"/>
           <p:cNvSpPr txBox="1"/>
           <p:nvPr>
             <p:ph type="title"/>
@@ -8892,7 +9340,7 @@
       </p:sp>
       <p:sp>
         <p:nvSpPr>
-          <p:cNvPr id="107" name="Google Shape;107;p20"/>
+          <p:cNvPr id="115" name="Google Shape;115;p21"/>
           <p:cNvSpPr txBox="1"/>
           <p:nvPr>
             <p:ph idx="1" type="body"/>
@@ -8984,7 +9432,7 @@
       </p:sp>
       <p:pic>
         <p:nvPicPr>
-          <p:cNvPr id="108" name="Google Shape;108;p20"/>
+          <p:cNvPr id="116" name="Google Shape;116;p21"/>
           <p:cNvPicPr preferRelativeResize="0"/>
           <p:nvPr/>
         </p:nvPicPr>
@@ -9010,207 +9458,6 @@
           </a:ln>
         </p:spPr>
       </p:pic>
-    </p:spTree>
-  </p:cSld>
-  <p:clrMapOvr>
-    <a:masterClrMapping/>
-  </p:clrMapOvr>
-</p:sld>
-</file>
-
-<file path=ppt/slides/slide9.xml><?xml version="1.0" encoding="utf-8"?>
-<p:sld xmlns:a="http://schemas.openxmlformats.org/drawingml/2006/main" xmlns:r="http://schemas.openxmlformats.org/officeDocument/2006/relationships" xmlns:mc="http://schemas.openxmlformats.org/markup-compatibility/2006" xmlns:mv="urn:schemas-microsoft-com:mac:vml" xmlns:p="http://schemas.openxmlformats.org/presentationml/2006/main" xmlns:c="http://schemas.openxmlformats.org/drawingml/2006/chart" xmlns:dgm="http://schemas.openxmlformats.org/drawingml/2006/diagram" xmlns:o="urn:schemas-microsoft-com:office:office" xmlns:v="urn:schemas-microsoft-com:vml" xmlns:pvml="urn:schemas-microsoft-com:office:powerpoint" xmlns:com="http://schemas.openxmlformats.org/drawingml/2006/compatibility" xmlns:p14="http://schemas.microsoft.com/office/powerpoint/2010/main" xmlns:p15="http://schemas.microsoft.com/office/powerpoint/2012/main" xmlns:ahyp="http://schemas.microsoft.com/office/drawing/2018/hyperlinkcolor">
-  <p:cSld>
-    <p:bg>
-      <p:bgPr>
-        <a:blipFill>
-          <a:blip r:embed="rId3">
-            <a:alphaModFix/>
-          </a:blip>
-          <a:stretch>
-            <a:fillRect/>
-          </a:stretch>
-        </a:blipFill>
-      </p:bgPr>
-    </p:bg>
-    <p:spTree>
-      <p:nvGrpSpPr>
-        <p:cNvPr id="112" name="Shape 112"/>
-        <p:cNvGrpSpPr/>
-        <p:nvPr/>
-      </p:nvGrpSpPr>
-      <p:grpSpPr>
-        <a:xfrm>
-          <a:off x="0" y="0"/>
-          <a:ext cx="0" cy="0"/>
-          <a:chOff x="0" y="0"/>
-          <a:chExt cx="0" cy="0"/>
-        </a:xfrm>
-      </p:grpSpPr>
-      <p:sp>
-        <p:nvSpPr>
-          <p:cNvPr id="113" name="Google Shape;113;p21"/>
-          <p:cNvSpPr txBox="1"/>
-          <p:nvPr>
-            <p:ph type="title"/>
-          </p:nvPr>
-        </p:nvSpPr>
-        <p:spPr>
-          <a:xfrm>
-            <a:off x="311700" y="315925"/>
-            <a:ext cx="8520600" cy="831300"/>
-          </a:xfrm>
-          <a:prstGeom prst="rect">
-            <a:avLst/>
-          </a:prstGeom>
-        </p:spPr>
-        <p:txBody>
-          <a:bodyPr anchorCtr="0" anchor="b" bIns="91425" lIns="91425" spcFirstLastPara="1" rIns="91425" wrap="square" tIns="91425">
-            <a:normAutofit/>
-          </a:bodyPr>
-          <a:lstStyle/>
-          <a:p>
-            <a:pPr indent="0" lvl="0" marL="0" rtl="0" algn="l">
-              <a:spcBef>
-                <a:spcPts val="0"/>
-              </a:spcBef>
-              <a:spcAft>
-                <a:spcPts val="0"/>
-              </a:spcAft>
-              <a:buNone/>
-            </a:pPr>
-            <a:r>
-              <a:rPr lang="en"/>
-              <a:t>Future Development </a:t>
-            </a:r>
-            <a:endParaRPr/>
-          </a:p>
-        </p:txBody>
-      </p:sp>
-      <p:sp>
-        <p:nvSpPr>
-          <p:cNvPr id="114" name="Google Shape;114;p21"/>
-          <p:cNvSpPr txBox="1"/>
-          <p:nvPr>
-            <p:ph idx="1" type="body"/>
-          </p:nvPr>
-        </p:nvSpPr>
-        <p:spPr>
-          <a:xfrm>
-            <a:off x="311700" y="1225225"/>
-            <a:ext cx="8520600" cy="3354000"/>
-          </a:xfrm>
-          <a:prstGeom prst="rect">
-            <a:avLst/>
-          </a:prstGeom>
-        </p:spPr>
-        <p:txBody>
-          <a:bodyPr anchorCtr="0" anchor="t" bIns="91425" lIns="91425" spcFirstLastPara="1" rIns="91425" wrap="square" tIns="91425">
-            <a:normAutofit/>
-          </a:bodyPr>
-          <a:lstStyle/>
-          <a:p>
-            <a:pPr indent="-342900" lvl="0" marL="457200" rtl="0" algn="l">
-              <a:lnSpc>
-                <a:spcPct val="200000"/>
-              </a:lnSpc>
-              <a:spcBef>
-                <a:spcPts val="0"/>
-              </a:spcBef>
-              <a:spcAft>
-                <a:spcPts val="0"/>
-              </a:spcAft>
-              <a:buSzPts val="1800"/>
-              <a:buChar char="●"/>
-            </a:pPr>
-            <a:r>
-              <a:rPr lang="en"/>
-              <a:t>Disease detection (Parkinson &amp; Alzheimer’s)</a:t>
-            </a:r>
-            <a:endParaRPr/>
-          </a:p>
-          <a:p>
-            <a:pPr indent="-342900" lvl="0" marL="457200" rtl="0" algn="l">
-              <a:lnSpc>
-                <a:spcPct val="200000"/>
-              </a:lnSpc>
-              <a:spcBef>
-                <a:spcPts val="0"/>
-              </a:spcBef>
-              <a:spcAft>
-                <a:spcPts val="0"/>
-              </a:spcAft>
-              <a:buSzPts val="1800"/>
-              <a:buChar char="●"/>
-            </a:pPr>
-            <a:r>
-              <a:rPr lang="en"/>
-              <a:t>Age-Inclusive handwriting analysis</a:t>
-            </a:r>
-            <a:endParaRPr/>
-          </a:p>
-          <a:p>
-            <a:pPr indent="-342900" lvl="0" marL="457200" rtl="0" algn="l">
-              <a:lnSpc>
-                <a:spcPct val="200000"/>
-              </a:lnSpc>
-              <a:spcBef>
-                <a:spcPts val="0"/>
-              </a:spcBef>
-              <a:spcAft>
-                <a:spcPts val="0"/>
-              </a:spcAft>
-              <a:buSzPts val="1800"/>
-              <a:buChar char="●"/>
-            </a:pPr>
-            <a:r>
-              <a:rPr lang="en"/>
-              <a:t>Multilingual sentiment analysis</a:t>
-            </a:r>
-            <a:endParaRPr/>
-          </a:p>
-          <a:p>
-            <a:pPr indent="-342900" lvl="0" marL="457200" rtl="0" algn="l">
-              <a:lnSpc>
-                <a:spcPct val="200000"/>
-              </a:lnSpc>
-              <a:spcBef>
-                <a:spcPts val="0"/>
-              </a:spcBef>
-              <a:spcAft>
-                <a:spcPts val="0"/>
-              </a:spcAft>
-              <a:buSzPts val="1800"/>
-              <a:buChar char="●"/>
-            </a:pPr>
-            <a:r>
-              <a:rPr lang="en"/>
-              <a:t>Handwriting style adaptation </a:t>
-            </a:r>
-            <a:endParaRPr/>
-          </a:p>
-          <a:p>
-            <a:pPr indent="-342900" lvl="0" marL="457200" rtl="0" algn="l">
-              <a:lnSpc>
-                <a:spcPct val="200000"/>
-              </a:lnSpc>
-              <a:spcBef>
-                <a:spcPts val="0"/>
-              </a:spcBef>
-              <a:spcAft>
-                <a:spcPts val="0"/>
-              </a:spcAft>
-              <a:buSzPts val="1800"/>
-              <a:buChar char="●"/>
-            </a:pPr>
-            <a:r>
-              <a:rPr lang="en"/>
-              <a:t>Handwriting rehabilitation monitoring </a:t>
-            </a:r>
-            <a:endParaRPr/>
-          </a:p>
-        </p:txBody>
-      </p:sp>
     </p:spTree>
   </p:cSld>
   <p:clrMapOvr>
